--- a/ppt 16-9/1494.最亲爱的救主.pptx
+++ b/ppt 16-9/1494.最亲爱的救主.pptx
@@ -129,7 +129,7 @@
           <p:cNvPr id="2" name="标题 1">
             <a:extLst>
               <a:ext uri="{FF2B5EF4-FFF2-40B4-BE49-F238E27FC236}">
-                <a16:creationId xmlns:a16="http://schemas.microsoft.com/office/drawing/2014/main" id="{B5EB63EA-82E4-4CF2-4316-4212365BC5BB}"/>
+                <a16:creationId xmlns:a16="http://schemas.microsoft.com/office/drawing/2014/main" id="{6DACE03C-97D6-213F-0D97-F2BCD4DA6701}"/>
               </a:ext>
             </a:extLst>
           </p:cNvPr>
@@ -166,7 +166,7 @@
           <p:cNvPr id="3" name="副标题 2">
             <a:extLst>
               <a:ext uri="{FF2B5EF4-FFF2-40B4-BE49-F238E27FC236}">
-                <a16:creationId xmlns:a16="http://schemas.microsoft.com/office/drawing/2014/main" id="{4DDFEFEA-B434-76DA-E5C5-F8A44AC3F4C4}"/>
+                <a16:creationId xmlns:a16="http://schemas.microsoft.com/office/drawing/2014/main" id="{2B466279-F81A-6E64-DBFE-5B96F7B25491}"/>
               </a:ext>
             </a:extLst>
           </p:cNvPr>
@@ -236,7 +236,7 @@
           <p:cNvPr id="4" name="日期占位符 3">
             <a:extLst>
               <a:ext uri="{FF2B5EF4-FFF2-40B4-BE49-F238E27FC236}">
-                <a16:creationId xmlns:a16="http://schemas.microsoft.com/office/drawing/2014/main" id="{0C5705E9-09C3-C9BB-7A9E-99F5E272EEC8}"/>
+                <a16:creationId xmlns:a16="http://schemas.microsoft.com/office/drawing/2014/main" id="{DD28BAA1-D50A-1BC5-F123-A2684F548F9B}"/>
               </a:ext>
             </a:extLst>
           </p:cNvPr>
@@ -252,7 +252,7 @@
           <a:bodyPr/>
           <a:lstStyle/>
           <a:p>
-            <a:fld id="{1FD1D556-8750-4CF4-B6EF-B431502106F6}" type="datetimeFigureOut">
+            <a:fld id="{AD1F6499-ED59-4C20-8E49-2B482313406F}" type="datetimeFigureOut">
               <a:rPr lang="zh-CN" altLang="en-US" smtClean="0"/>
               <a:t>2024/3/10</a:t>
             </a:fld>
@@ -265,7 +265,7 @@
           <p:cNvPr id="5" name="页脚占位符 4">
             <a:extLst>
               <a:ext uri="{FF2B5EF4-FFF2-40B4-BE49-F238E27FC236}">
-                <a16:creationId xmlns:a16="http://schemas.microsoft.com/office/drawing/2014/main" id="{B443B0E5-7200-4116-4EDE-B94FE2F59591}"/>
+                <a16:creationId xmlns:a16="http://schemas.microsoft.com/office/drawing/2014/main" id="{B3FB7FFD-B098-2E23-4660-4E0326B760FA}"/>
               </a:ext>
             </a:extLst>
           </p:cNvPr>
@@ -290,7 +290,7 @@
           <p:cNvPr id="6" name="灯片编号占位符 5">
             <a:extLst>
               <a:ext uri="{FF2B5EF4-FFF2-40B4-BE49-F238E27FC236}">
-                <a16:creationId xmlns:a16="http://schemas.microsoft.com/office/drawing/2014/main" id="{122C0029-0199-B520-BAE0-51D1F32810CA}"/>
+                <a16:creationId xmlns:a16="http://schemas.microsoft.com/office/drawing/2014/main" id="{A29D58D4-35A6-08DC-0933-51387E0AF96F}"/>
               </a:ext>
             </a:extLst>
           </p:cNvPr>
@@ -306,7 +306,7 @@
           <a:bodyPr/>
           <a:lstStyle/>
           <a:p>
-            <a:fld id="{525FFA3F-8198-403B-B5D2-96BC8E3BEC83}" type="slidenum">
+            <a:fld id="{F8AE34BB-1889-48DC-863B-9E63C6ACD356}" type="slidenum">
               <a:rPr lang="zh-CN" altLang="en-US" smtClean="0"/>
               <a:t>‹#›</a:t>
             </a:fld>
@@ -317,7 +317,7 @@
     </p:spTree>
     <p:extLst>
       <p:ext uri="{BB962C8B-B14F-4D97-AF65-F5344CB8AC3E}">
-        <p14:creationId xmlns:p14="http://schemas.microsoft.com/office/powerpoint/2010/main" val="1092586418"/>
+        <p14:creationId xmlns:p14="http://schemas.microsoft.com/office/powerpoint/2010/main" val="1678993152"/>
       </p:ext>
     </p:extLst>
   </p:cSld>
@@ -349,7 +349,7 @@
           <p:cNvPr id="2" name="标题 1">
             <a:extLst>
               <a:ext uri="{FF2B5EF4-FFF2-40B4-BE49-F238E27FC236}">
-                <a16:creationId xmlns:a16="http://schemas.microsoft.com/office/drawing/2014/main" id="{9DF42863-0B9B-8AA5-DBBF-5ADCE250DCF3}"/>
+                <a16:creationId xmlns:a16="http://schemas.microsoft.com/office/drawing/2014/main" id="{829BA4F9-146D-ABFD-E3B1-9A4BC3AAC233}"/>
               </a:ext>
             </a:extLst>
           </p:cNvPr>
@@ -377,7 +377,7 @@
           <p:cNvPr id="3" name="竖排文字占位符 2">
             <a:extLst>
               <a:ext uri="{FF2B5EF4-FFF2-40B4-BE49-F238E27FC236}">
-                <a16:creationId xmlns:a16="http://schemas.microsoft.com/office/drawing/2014/main" id="{B388FDAF-7465-D4A2-C44D-A5C179E33AC6}"/>
+                <a16:creationId xmlns:a16="http://schemas.microsoft.com/office/drawing/2014/main" id="{4B733B6F-4740-BC99-9135-842B25022D37}"/>
               </a:ext>
             </a:extLst>
           </p:cNvPr>
@@ -434,7 +434,7 @@
           <p:cNvPr id="4" name="日期占位符 3">
             <a:extLst>
               <a:ext uri="{FF2B5EF4-FFF2-40B4-BE49-F238E27FC236}">
-                <a16:creationId xmlns:a16="http://schemas.microsoft.com/office/drawing/2014/main" id="{C36B1FEB-3B21-0B00-E1AA-641DBAAF81E6}"/>
+                <a16:creationId xmlns:a16="http://schemas.microsoft.com/office/drawing/2014/main" id="{F42A3A65-C5DA-F2CF-BE8C-22FAF1B0095C}"/>
               </a:ext>
             </a:extLst>
           </p:cNvPr>
@@ -450,7 +450,7 @@
           <a:bodyPr/>
           <a:lstStyle/>
           <a:p>
-            <a:fld id="{1FD1D556-8750-4CF4-B6EF-B431502106F6}" type="datetimeFigureOut">
+            <a:fld id="{AD1F6499-ED59-4C20-8E49-2B482313406F}" type="datetimeFigureOut">
               <a:rPr lang="zh-CN" altLang="en-US" smtClean="0"/>
               <a:t>2024/3/10</a:t>
             </a:fld>
@@ -463,7 +463,7 @@
           <p:cNvPr id="5" name="页脚占位符 4">
             <a:extLst>
               <a:ext uri="{FF2B5EF4-FFF2-40B4-BE49-F238E27FC236}">
-                <a16:creationId xmlns:a16="http://schemas.microsoft.com/office/drawing/2014/main" id="{0EB621F5-6E4A-C5C3-7CF8-15A87A7607C9}"/>
+                <a16:creationId xmlns:a16="http://schemas.microsoft.com/office/drawing/2014/main" id="{E6157A72-7100-DD30-3E0C-7A52ECEE4AEC}"/>
               </a:ext>
             </a:extLst>
           </p:cNvPr>
@@ -488,7 +488,7 @@
           <p:cNvPr id="6" name="灯片编号占位符 5">
             <a:extLst>
               <a:ext uri="{FF2B5EF4-FFF2-40B4-BE49-F238E27FC236}">
-                <a16:creationId xmlns:a16="http://schemas.microsoft.com/office/drawing/2014/main" id="{151CF8A2-2A04-EF63-7357-070271188D82}"/>
+                <a16:creationId xmlns:a16="http://schemas.microsoft.com/office/drawing/2014/main" id="{D59D3504-751B-34B0-2C8E-5E7A9798E2ED}"/>
               </a:ext>
             </a:extLst>
           </p:cNvPr>
@@ -504,7 +504,7 @@
           <a:bodyPr/>
           <a:lstStyle/>
           <a:p>
-            <a:fld id="{525FFA3F-8198-403B-B5D2-96BC8E3BEC83}" type="slidenum">
+            <a:fld id="{F8AE34BB-1889-48DC-863B-9E63C6ACD356}" type="slidenum">
               <a:rPr lang="zh-CN" altLang="en-US" smtClean="0"/>
               <a:t>‹#›</a:t>
             </a:fld>
@@ -515,7 +515,7 @@
     </p:spTree>
     <p:extLst>
       <p:ext uri="{BB962C8B-B14F-4D97-AF65-F5344CB8AC3E}">
-        <p14:creationId xmlns:p14="http://schemas.microsoft.com/office/powerpoint/2010/main" val="3587162377"/>
+        <p14:creationId xmlns:p14="http://schemas.microsoft.com/office/powerpoint/2010/main" val="1415531696"/>
       </p:ext>
     </p:extLst>
   </p:cSld>
@@ -547,7 +547,7 @@
           <p:cNvPr id="2" name="竖排标题 1">
             <a:extLst>
               <a:ext uri="{FF2B5EF4-FFF2-40B4-BE49-F238E27FC236}">
-                <a16:creationId xmlns:a16="http://schemas.microsoft.com/office/drawing/2014/main" id="{BB752F70-1AB0-D9D3-CB88-164410728D1A}"/>
+                <a16:creationId xmlns:a16="http://schemas.microsoft.com/office/drawing/2014/main" id="{B8F582D8-3B52-3B2D-B11A-31A6A7D11A5C}"/>
               </a:ext>
             </a:extLst>
           </p:cNvPr>
@@ -580,7 +580,7 @@
           <p:cNvPr id="3" name="竖排文字占位符 2">
             <a:extLst>
               <a:ext uri="{FF2B5EF4-FFF2-40B4-BE49-F238E27FC236}">
-                <a16:creationId xmlns:a16="http://schemas.microsoft.com/office/drawing/2014/main" id="{3FFFBD34-E83E-72E5-C2F4-346AF4D1D928}"/>
+                <a16:creationId xmlns:a16="http://schemas.microsoft.com/office/drawing/2014/main" id="{BECA3D49-710B-585B-D003-647FD0D62BD4}"/>
               </a:ext>
             </a:extLst>
           </p:cNvPr>
@@ -642,7 +642,7 @@
           <p:cNvPr id="4" name="日期占位符 3">
             <a:extLst>
               <a:ext uri="{FF2B5EF4-FFF2-40B4-BE49-F238E27FC236}">
-                <a16:creationId xmlns:a16="http://schemas.microsoft.com/office/drawing/2014/main" id="{AA030D51-CB5A-E633-3F3A-A75EE67BEFE9}"/>
+                <a16:creationId xmlns:a16="http://schemas.microsoft.com/office/drawing/2014/main" id="{D42C880C-6DA0-8BC7-D99D-F89A8AB30B87}"/>
               </a:ext>
             </a:extLst>
           </p:cNvPr>
@@ -658,7 +658,7 @@
           <a:bodyPr/>
           <a:lstStyle/>
           <a:p>
-            <a:fld id="{1FD1D556-8750-4CF4-B6EF-B431502106F6}" type="datetimeFigureOut">
+            <a:fld id="{AD1F6499-ED59-4C20-8E49-2B482313406F}" type="datetimeFigureOut">
               <a:rPr lang="zh-CN" altLang="en-US" smtClean="0"/>
               <a:t>2024/3/10</a:t>
             </a:fld>
@@ -671,7 +671,7 @@
           <p:cNvPr id="5" name="页脚占位符 4">
             <a:extLst>
               <a:ext uri="{FF2B5EF4-FFF2-40B4-BE49-F238E27FC236}">
-                <a16:creationId xmlns:a16="http://schemas.microsoft.com/office/drawing/2014/main" id="{772AEB52-DC9C-C882-3D52-2F08717395A4}"/>
+                <a16:creationId xmlns:a16="http://schemas.microsoft.com/office/drawing/2014/main" id="{9DA4A362-00AC-7745-F604-6C43921F749E}"/>
               </a:ext>
             </a:extLst>
           </p:cNvPr>
@@ -696,7 +696,7 @@
           <p:cNvPr id="6" name="灯片编号占位符 5">
             <a:extLst>
               <a:ext uri="{FF2B5EF4-FFF2-40B4-BE49-F238E27FC236}">
-                <a16:creationId xmlns:a16="http://schemas.microsoft.com/office/drawing/2014/main" id="{6C003F5F-B3B9-AF41-6654-003348462655}"/>
+                <a16:creationId xmlns:a16="http://schemas.microsoft.com/office/drawing/2014/main" id="{662089A5-4A52-1DA9-1FDE-D946C640272C}"/>
               </a:ext>
             </a:extLst>
           </p:cNvPr>
@@ -712,7 +712,7 @@
           <a:bodyPr/>
           <a:lstStyle/>
           <a:p>
-            <a:fld id="{525FFA3F-8198-403B-B5D2-96BC8E3BEC83}" type="slidenum">
+            <a:fld id="{F8AE34BB-1889-48DC-863B-9E63C6ACD356}" type="slidenum">
               <a:rPr lang="zh-CN" altLang="en-US" smtClean="0"/>
               <a:t>‹#›</a:t>
             </a:fld>
@@ -723,7 +723,7 @@
     </p:spTree>
     <p:extLst>
       <p:ext uri="{BB962C8B-B14F-4D97-AF65-F5344CB8AC3E}">
-        <p14:creationId xmlns:p14="http://schemas.microsoft.com/office/powerpoint/2010/main" val="3904164636"/>
+        <p14:creationId xmlns:p14="http://schemas.microsoft.com/office/powerpoint/2010/main" val="1746638933"/>
       </p:ext>
     </p:extLst>
   </p:cSld>
@@ -755,7 +755,7 @@
           <p:cNvPr id="2" name="标题 1">
             <a:extLst>
               <a:ext uri="{FF2B5EF4-FFF2-40B4-BE49-F238E27FC236}">
-                <a16:creationId xmlns:a16="http://schemas.microsoft.com/office/drawing/2014/main" id="{FC8C0540-32CF-FBDC-FC2B-9465881BC93F}"/>
+                <a16:creationId xmlns:a16="http://schemas.microsoft.com/office/drawing/2014/main" id="{880080B4-2580-8656-DED4-BD23403BB04A}"/>
               </a:ext>
             </a:extLst>
           </p:cNvPr>
@@ -783,7 +783,7 @@
           <p:cNvPr id="3" name="内容占位符 2">
             <a:extLst>
               <a:ext uri="{FF2B5EF4-FFF2-40B4-BE49-F238E27FC236}">
-                <a16:creationId xmlns:a16="http://schemas.microsoft.com/office/drawing/2014/main" id="{40A97992-8ECF-9208-E13E-1401D477D4D4}"/>
+                <a16:creationId xmlns:a16="http://schemas.microsoft.com/office/drawing/2014/main" id="{4E094499-6392-7E2C-4BAD-752303E87DC9}"/>
               </a:ext>
             </a:extLst>
           </p:cNvPr>
@@ -840,7 +840,7 @@
           <p:cNvPr id="4" name="日期占位符 3">
             <a:extLst>
               <a:ext uri="{FF2B5EF4-FFF2-40B4-BE49-F238E27FC236}">
-                <a16:creationId xmlns:a16="http://schemas.microsoft.com/office/drawing/2014/main" id="{8BC5DEA2-5644-2A9D-4D69-8A85EAA3D9B3}"/>
+                <a16:creationId xmlns:a16="http://schemas.microsoft.com/office/drawing/2014/main" id="{5D0DD6FC-1645-5871-FB57-2E14A62DEFE0}"/>
               </a:ext>
             </a:extLst>
           </p:cNvPr>
@@ -856,7 +856,7 @@
           <a:bodyPr/>
           <a:lstStyle/>
           <a:p>
-            <a:fld id="{1FD1D556-8750-4CF4-B6EF-B431502106F6}" type="datetimeFigureOut">
+            <a:fld id="{AD1F6499-ED59-4C20-8E49-2B482313406F}" type="datetimeFigureOut">
               <a:rPr lang="zh-CN" altLang="en-US" smtClean="0"/>
               <a:t>2024/3/10</a:t>
             </a:fld>
@@ -869,7 +869,7 @@
           <p:cNvPr id="5" name="页脚占位符 4">
             <a:extLst>
               <a:ext uri="{FF2B5EF4-FFF2-40B4-BE49-F238E27FC236}">
-                <a16:creationId xmlns:a16="http://schemas.microsoft.com/office/drawing/2014/main" id="{8CDE1863-97AB-6047-942A-F24ABBC6013B}"/>
+                <a16:creationId xmlns:a16="http://schemas.microsoft.com/office/drawing/2014/main" id="{3B2544BE-F423-5A91-15A5-8808945B3DA9}"/>
               </a:ext>
             </a:extLst>
           </p:cNvPr>
@@ -894,7 +894,7 @@
           <p:cNvPr id="6" name="灯片编号占位符 5">
             <a:extLst>
               <a:ext uri="{FF2B5EF4-FFF2-40B4-BE49-F238E27FC236}">
-                <a16:creationId xmlns:a16="http://schemas.microsoft.com/office/drawing/2014/main" id="{132BAC3A-A5D2-AD3F-6ED4-E548C2C39CDB}"/>
+                <a16:creationId xmlns:a16="http://schemas.microsoft.com/office/drawing/2014/main" id="{C7524A6C-B7FF-5483-99D6-348C3B3F829E}"/>
               </a:ext>
             </a:extLst>
           </p:cNvPr>
@@ -910,7 +910,7 @@
           <a:bodyPr/>
           <a:lstStyle/>
           <a:p>
-            <a:fld id="{525FFA3F-8198-403B-B5D2-96BC8E3BEC83}" type="slidenum">
+            <a:fld id="{F8AE34BB-1889-48DC-863B-9E63C6ACD356}" type="slidenum">
               <a:rPr lang="zh-CN" altLang="en-US" smtClean="0"/>
               <a:t>‹#›</a:t>
             </a:fld>
@@ -921,7 +921,7 @@
     </p:spTree>
     <p:extLst>
       <p:ext uri="{BB962C8B-B14F-4D97-AF65-F5344CB8AC3E}">
-        <p14:creationId xmlns:p14="http://schemas.microsoft.com/office/powerpoint/2010/main" val="680714298"/>
+        <p14:creationId xmlns:p14="http://schemas.microsoft.com/office/powerpoint/2010/main" val="1352955816"/>
       </p:ext>
     </p:extLst>
   </p:cSld>
@@ -953,7 +953,7 @@
           <p:cNvPr id="2" name="标题 1">
             <a:extLst>
               <a:ext uri="{FF2B5EF4-FFF2-40B4-BE49-F238E27FC236}">
-                <a16:creationId xmlns:a16="http://schemas.microsoft.com/office/drawing/2014/main" id="{E0A8253A-8889-E540-093E-24FE845FDF15}"/>
+                <a16:creationId xmlns:a16="http://schemas.microsoft.com/office/drawing/2014/main" id="{76C8A2DA-275B-B300-650D-5A7C3FF76A91}"/>
               </a:ext>
             </a:extLst>
           </p:cNvPr>
@@ -990,7 +990,7 @@
           <p:cNvPr id="3" name="文本占位符 2">
             <a:extLst>
               <a:ext uri="{FF2B5EF4-FFF2-40B4-BE49-F238E27FC236}">
-                <a16:creationId xmlns:a16="http://schemas.microsoft.com/office/drawing/2014/main" id="{D8878CCA-5C27-2A76-8CA6-B07D93D4FDDB}"/>
+                <a16:creationId xmlns:a16="http://schemas.microsoft.com/office/drawing/2014/main" id="{343FA97C-0782-6457-379D-A99B8A1347C9}"/>
               </a:ext>
             </a:extLst>
           </p:cNvPr>
@@ -1115,7 +1115,7 @@
           <p:cNvPr id="4" name="日期占位符 3">
             <a:extLst>
               <a:ext uri="{FF2B5EF4-FFF2-40B4-BE49-F238E27FC236}">
-                <a16:creationId xmlns:a16="http://schemas.microsoft.com/office/drawing/2014/main" id="{223EB4A3-E23E-F0DA-94E4-7DBCCAAF08AF}"/>
+                <a16:creationId xmlns:a16="http://schemas.microsoft.com/office/drawing/2014/main" id="{B01EADB8-4666-7B02-0D1A-3CA3916F5140}"/>
               </a:ext>
             </a:extLst>
           </p:cNvPr>
@@ -1131,7 +1131,7 @@
           <a:bodyPr/>
           <a:lstStyle/>
           <a:p>
-            <a:fld id="{1FD1D556-8750-4CF4-B6EF-B431502106F6}" type="datetimeFigureOut">
+            <a:fld id="{AD1F6499-ED59-4C20-8E49-2B482313406F}" type="datetimeFigureOut">
               <a:rPr lang="zh-CN" altLang="en-US" smtClean="0"/>
               <a:t>2024/3/10</a:t>
             </a:fld>
@@ -1144,7 +1144,7 @@
           <p:cNvPr id="5" name="页脚占位符 4">
             <a:extLst>
               <a:ext uri="{FF2B5EF4-FFF2-40B4-BE49-F238E27FC236}">
-                <a16:creationId xmlns:a16="http://schemas.microsoft.com/office/drawing/2014/main" id="{E3831B62-C8CA-5C64-8CED-95AF6AA6CBB7}"/>
+                <a16:creationId xmlns:a16="http://schemas.microsoft.com/office/drawing/2014/main" id="{94F41100-216D-8EAC-DE4D-EE9FF3FB486C}"/>
               </a:ext>
             </a:extLst>
           </p:cNvPr>
@@ -1169,7 +1169,7 @@
           <p:cNvPr id="6" name="灯片编号占位符 5">
             <a:extLst>
               <a:ext uri="{FF2B5EF4-FFF2-40B4-BE49-F238E27FC236}">
-                <a16:creationId xmlns:a16="http://schemas.microsoft.com/office/drawing/2014/main" id="{9DF34A6A-D553-9049-839A-4B7214B6CFE2}"/>
+                <a16:creationId xmlns:a16="http://schemas.microsoft.com/office/drawing/2014/main" id="{E5A864EF-FC66-666D-B933-09E05DB376DC}"/>
               </a:ext>
             </a:extLst>
           </p:cNvPr>
@@ -1185,7 +1185,7 @@
           <a:bodyPr/>
           <a:lstStyle/>
           <a:p>
-            <a:fld id="{525FFA3F-8198-403B-B5D2-96BC8E3BEC83}" type="slidenum">
+            <a:fld id="{F8AE34BB-1889-48DC-863B-9E63C6ACD356}" type="slidenum">
               <a:rPr lang="zh-CN" altLang="en-US" smtClean="0"/>
               <a:t>‹#›</a:t>
             </a:fld>
@@ -1196,7 +1196,7 @@
     </p:spTree>
     <p:extLst>
       <p:ext uri="{BB962C8B-B14F-4D97-AF65-F5344CB8AC3E}">
-        <p14:creationId xmlns:p14="http://schemas.microsoft.com/office/powerpoint/2010/main" val="185410566"/>
+        <p14:creationId xmlns:p14="http://schemas.microsoft.com/office/powerpoint/2010/main" val="3742551838"/>
       </p:ext>
     </p:extLst>
   </p:cSld>
@@ -1228,7 +1228,7 @@
           <p:cNvPr id="2" name="标题 1">
             <a:extLst>
               <a:ext uri="{FF2B5EF4-FFF2-40B4-BE49-F238E27FC236}">
-                <a16:creationId xmlns:a16="http://schemas.microsoft.com/office/drawing/2014/main" id="{54975302-3745-8FD8-6F18-193B268F9218}"/>
+                <a16:creationId xmlns:a16="http://schemas.microsoft.com/office/drawing/2014/main" id="{7E600ABF-F5DE-C51A-265D-F51A84EE3667}"/>
               </a:ext>
             </a:extLst>
           </p:cNvPr>
@@ -1256,7 +1256,7 @@
           <p:cNvPr id="3" name="内容占位符 2">
             <a:extLst>
               <a:ext uri="{FF2B5EF4-FFF2-40B4-BE49-F238E27FC236}">
-                <a16:creationId xmlns:a16="http://schemas.microsoft.com/office/drawing/2014/main" id="{D1FD1C63-8226-68CD-1C9F-C430736B60DE}"/>
+                <a16:creationId xmlns:a16="http://schemas.microsoft.com/office/drawing/2014/main" id="{CA40D832-45B0-0E05-A9FF-E3D2B4866FBD}"/>
               </a:ext>
             </a:extLst>
           </p:cNvPr>
@@ -1318,7 +1318,7 @@
           <p:cNvPr id="4" name="内容占位符 3">
             <a:extLst>
               <a:ext uri="{FF2B5EF4-FFF2-40B4-BE49-F238E27FC236}">
-                <a16:creationId xmlns:a16="http://schemas.microsoft.com/office/drawing/2014/main" id="{10BB9E49-748B-55DB-A716-7F7C11484A4C}"/>
+                <a16:creationId xmlns:a16="http://schemas.microsoft.com/office/drawing/2014/main" id="{C79AEDF6-9B7B-9040-003B-6756B69E596C}"/>
               </a:ext>
             </a:extLst>
           </p:cNvPr>
@@ -1380,7 +1380,7 @@
           <p:cNvPr id="5" name="日期占位符 4">
             <a:extLst>
               <a:ext uri="{FF2B5EF4-FFF2-40B4-BE49-F238E27FC236}">
-                <a16:creationId xmlns:a16="http://schemas.microsoft.com/office/drawing/2014/main" id="{A9D007E0-1694-42A3-0E39-98853A67C08A}"/>
+                <a16:creationId xmlns:a16="http://schemas.microsoft.com/office/drawing/2014/main" id="{12A3C31E-72E2-0E8B-0A72-68E8E064A782}"/>
               </a:ext>
             </a:extLst>
           </p:cNvPr>
@@ -1396,7 +1396,7 @@
           <a:bodyPr/>
           <a:lstStyle/>
           <a:p>
-            <a:fld id="{1FD1D556-8750-4CF4-B6EF-B431502106F6}" type="datetimeFigureOut">
+            <a:fld id="{AD1F6499-ED59-4C20-8E49-2B482313406F}" type="datetimeFigureOut">
               <a:rPr lang="zh-CN" altLang="en-US" smtClean="0"/>
               <a:t>2024/3/10</a:t>
             </a:fld>
@@ -1409,7 +1409,7 @@
           <p:cNvPr id="6" name="页脚占位符 5">
             <a:extLst>
               <a:ext uri="{FF2B5EF4-FFF2-40B4-BE49-F238E27FC236}">
-                <a16:creationId xmlns:a16="http://schemas.microsoft.com/office/drawing/2014/main" id="{8776488B-707C-44F5-4EEE-13052EAF708F}"/>
+                <a16:creationId xmlns:a16="http://schemas.microsoft.com/office/drawing/2014/main" id="{51AD4163-9592-E86B-7F50-84330C37F013}"/>
               </a:ext>
             </a:extLst>
           </p:cNvPr>
@@ -1434,7 +1434,7 @@
           <p:cNvPr id="7" name="灯片编号占位符 6">
             <a:extLst>
               <a:ext uri="{FF2B5EF4-FFF2-40B4-BE49-F238E27FC236}">
-                <a16:creationId xmlns:a16="http://schemas.microsoft.com/office/drawing/2014/main" id="{155CC904-1380-9A70-C887-30F3B3CE0149}"/>
+                <a16:creationId xmlns:a16="http://schemas.microsoft.com/office/drawing/2014/main" id="{A115BAD8-2BDF-6A8C-01C6-1A6D484FA878}"/>
               </a:ext>
             </a:extLst>
           </p:cNvPr>
@@ -1450,7 +1450,7 @@
           <a:bodyPr/>
           <a:lstStyle/>
           <a:p>
-            <a:fld id="{525FFA3F-8198-403B-B5D2-96BC8E3BEC83}" type="slidenum">
+            <a:fld id="{F8AE34BB-1889-48DC-863B-9E63C6ACD356}" type="slidenum">
               <a:rPr lang="zh-CN" altLang="en-US" smtClean="0"/>
               <a:t>‹#›</a:t>
             </a:fld>
@@ -1461,7 +1461,7 @@
     </p:spTree>
     <p:extLst>
       <p:ext uri="{BB962C8B-B14F-4D97-AF65-F5344CB8AC3E}">
-        <p14:creationId xmlns:p14="http://schemas.microsoft.com/office/powerpoint/2010/main" val="3090171121"/>
+        <p14:creationId xmlns:p14="http://schemas.microsoft.com/office/powerpoint/2010/main" val="1205175355"/>
       </p:ext>
     </p:extLst>
   </p:cSld>
@@ -1493,7 +1493,7 @@
           <p:cNvPr id="2" name="标题 1">
             <a:extLst>
               <a:ext uri="{FF2B5EF4-FFF2-40B4-BE49-F238E27FC236}">
-                <a16:creationId xmlns:a16="http://schemas.microsoft.com/office/drawing/2014/main" id="{3C98ADCA-AA6A-93E4-DE7E-D6C3A3945FF5}"/>
+                <a16:creationId xmlns:a16="http://schemas.microsoft.com/office/drawing/2014/main" id="{21A51561-A9F8-CE9D-4A7F-EBDAE0C059B6}"/>
               </a:ext>
             </a:extLst>
           </p:cNvPr>
@@ -1526,7 +1526,7 @@
           <p:cNvPr id="3" name="文本占位符 2">
             <a:extLst>
               <a:ext uri="{FF2B5EF4-FFF2-40B4-BE49-F238E27FC236}">
-                <a16:creationId xmlns:a16="http://schemas.microsoft.com/office/drawing/2014/main" id="{BAEBA516-DB2D-5F0B-951A-B050DFA0E4B5}"/>
+                <a16:creationId xmlns:a16="http://schemas.microsoft.com/office/drawing/2014/main" id="{589277AB-48AC-1812-10EA-A292ECFBE3D9}"/>
               </a:ext>
             </a:extLst>
           </p:cNvPr>
@@ -1597,7 +1597,7 @@
           <p:cNvPr id="4" name="内容占位符 3">
             <a:extLst>
               <a:ext uri="{FF2B5EF4-FFF2-40B4-BE49-F238E27FC236}">
-                <a16:creationId xmlns:a16="http://schemas.microsoft.com/office/drawing/2014/main" id="{2D742B7F-FFAA-6E36-72A0-C1E2797CF067}"/>
+                <a16:creationId xmlns:a16="http://schemas.microsoft.com/office/drawing/2014/main" id="{D1B07794-83AB-9013-256F-65698275B9C1}"/>
               </a:ext>
             </a:extLst>
           </p:cNvPr>
@@ -1659,7 +1659,7 @@
           <p:cNvPr id="5" name="文本占位符 4">
             <a:extLst>
               <a:ext uri="{FF2B5EF4-FFF2-40B4-BE49-F238E27FC236}">
-                <a16:creationId xmlns:a16="http://schemas.microsoft.com/office/drawing/2014/main" id="{D34AFEFF-00E6-A820-9B81-54F17B23B01F}"/>
+                <a16:creationId xmlns:a16="http://schemas.microsoft.com/office/drawing/2014/main" id="{7D6BE9E6-7D5B-558E-F4CE-85D5E599D806}"/>
               </a:ext>
             </a:extLst>
           </p:cNvPr>
@@ -1730,7 +1730,7 @@
           <p:cNvPr id="6" name="内容占位符 5">
             <a:extLst>
               <a:ext uri="{FF2B5EF4-FFF2-40B4-BE49-F238E27FC236}">
-                <a16:creationId xmlns:a16="http://schemas.microsoft.com/office/drawing/2014/main" id="{21B4D175-D1C2-88F0-EA83-22529DD99D58}"/>
+                <a16:creationId xmlns:a16="http://schemas.microsoft.com/office/drawing/2014/main" id="{62B9A972-CAAF-F3B1-359C-007098744680}"/>
               </a:ext>
             </a:extLst>
           </p:cNvPr>
@@ -1792,7 +1792,7 @@
           <p:cNvPr id="7" name="日期占位符 6">
             <a:extLst>
               <a:ext uri="{FF2B5EF4-FFF2-40B4-BE49-F238E27FC236}">
-                <a16:creationId xmlns:a16="http://schemas.microsoft.com/office/drawing/2014/main" id="{64701846-96AA-72FC-3836-E390596E7FAC}"/>
+                <a16:creationId xmlns:a16="http://schemas.microsoft.com/office/drawing/2014/main" id="{80BB2D34-D7D6-5B82-A0A3-7F32C1B0EA6F}"/>
               </a:ext>
             </a:extLst>
           </p:cNvPr>
@@ -1808,7 +1808,7 @@
           <a:bodyPr/>
           <a:lstStyle/>
           <a:p>
-            <a:fld id="{1FD1D556-8750-4CF4-B6EF-B431502106F6}" type="datetimeFigureOut">
+            <a:fld id="{AD1F6499-ED59-4C20-8E49-2B482313406F}" type="datetimeFigureOut">
               <a:rPr lang="zh-CN" altLang="en-US" smtClean="0"/>
               <a:t>2024/3/10</a:t>
             </a:fld>
@@ -1821,7 +1821,7 @@
           <p:cNvPr id="8" name="页脚占位符 7">
             <a:extLst>
               <a:ext uri="{FF2B5EF4-FFF2-40B4-BE49-F238E27FC236}">
-                <a16:creationId xmlns:a16="http://schemas.microsoft.com/office/drawing/2014/main" id="{6A4C7EDD-F4D0-185D-2E71-8F8AEF6D831C}"/>
+                <a16:creationId xmlns:a16="http://schemas.microsoft.com/office/drawing/2014/main" id="{F493AAAF-0276-DCD5-0F3F-4D870362363B}"/>
               </a:ext>
             </a:extLst>
           </p:cNvPr>
@@ -1846,7 +1846,7 @@
           <p:cNvPr id="9" name="灯片编号占位符 8">
             <a:extLst>
               <a:ext uri="{FF2B5EF4-FFF2-40B4-BE49-F238E27FC236}">
-                <a16:creationId xmlns:a16="http://schemas.microsoft.com/office/drawing/2014/main" id="{406F04E4-B3BE-CBF2-FB17-C6E967DA9477}"/>
+                <a16:creationId xmlns:a16="http://schemas.microsoft.com/office/drawing/2014/main" id="{F6577C38-E446-C762-9957-A9EC45B53165}"/>
               </a:ext>
             </a:extLst>
           </p:cNvPr>
@@ -1862,7 +1862,7 @@
           <a:bodyPr/>
           <a:lstStyle/>
           <a:p>
-            <a:fld id="{525FFA3F-8198-403B-B5D2-96BC8E3BEC83}" type="slidenum">
+            <a:fld id="{F8AE34BB-1889-48DC-863B-9E63C6ACD356}" type="slidenum">
               <a:rPr lang="zh-CN" altLang="en-US" smtClean="0"/>
               <a:t>‹#›</a:t>
             </a:fld>
@@ -1873,7 +1873,7 @@
     </p:spTree>
     <p:extLst>
       <p:ext uri="{BB962C8B-B14F-4D97-AF65-F5344CB8AC3E}">
-        <p14:creationId xmlns:p14="http://schemas.microsoft.com/office/powerpoint/2010/main" val="1272929799"/>
+        <p14:creationId xmlns:p14="http://schemas.microsoft.com/office/powerpoint/2010/main" val="1149870125"/>
       </p:ext>
     </p:extLst>
   </p:cSld>
@@ -1905,7 +1905,7 @@
           <p:cNvPr id="2" name="标题 1">
             <a:extLst>
               <a:ext uri="{FF2B5EF4-FFF2-40B4-BE49-F238E27FC236}">
-                <a16:creationId xmlns:a16="http://schemas.microsoft.com/office/drawing/2014/main" id="{8820C72A-E94E-71A0-D60B-954706325634}"/>
+                <a16:creationId xmlns:a16="http://schemas.microsoft.com/office/drawing/2014/main" id="{84845F90-9620-36EB-58FE-ADD2AE096B46}"/>
               </a:ext>
             </a:extLst>
           </p:cNvPr>
@@ -1933,7 +1933,7 @@
           <p:cNvPr id="3" name="日期占位符 2">
             <a:extLst>
               <a:ext uri="{FF2B5EF4-FFF2-40B4-BE49-F238E27FC236}">
-                <a16:creationId xmlns:a16="http://schemas.microsoft.com/office/drawing/2014/main" id="{1F99B62F-663A-0902-AFE9-1B58B1FABAEC}"/>
+                <a16:creationId xmlns:a16="http://schemas.microsoft.com/office/drawing/2014/main" id="{AC049A29-D0A4-2703-567C-5EA148925624}"/>
               </a:ext>
             </a:extLst>
           </p:cNvPr>
@@ -1949,7 +1949,7 @@
           <a:bodyPr/>
           <a:lstStyle/>
           <a:p>
-            <a:fld id="{1FD1D556-8750-4CF4-B6EF-B431502106F6}" type="datetimeFigureOut">
+            <a:fld id="{AD1F6499-ED59-4C20-8E49-2B482313406F}" type="datetimeFigureOut">
               <a:rPr lang="zh-CN" altLang="en-US" smtClean="0"/>
               <a:t>2024/3/10</a:t>
             </a:fld>
@@ -1962,7 +1962,7 @@
           <p:cNvPr id="4" name="页脚占位符 3">
             <a:extLst>
               <a:ext uri="{FF2B5EF4-FFF2-40B4-BE49-F238E27FC236}">
-                <a16:creationId xmlns:a16="http://schemas.microsoft.com/office/drawing/2014/main" id="{1B495A43-C2E2-E565-11BF-A28781C28741}"/>
+                <a16:creationId xmlns:a16="http://schemas.microsoft.com/office/drawing/2014/main" id="{F0046620-2EDD-E671-6400-2FBDA7E54BF0}"/>
               </a:ext>
             </a:extLst>
           </p:cNvPr>
@@ -1987,7 +1987,7 @@
           <p:cNvPr id="5" name="灯片编号占位符 4">
             <a:extLst>
               <a:ext uri="{FF2B5EF4-FFF2-40B4-BE49-F238E27FC236}">
-                <a16:creationId xmlns:a16="http://schemas.microsoft.com/office/drawing/2014/main" id="{37391C33-B8DF-23BB-951C-F51FE55D1D02}"/>
+                <a16:creationId xmlns:a16="http://schemas.microsoft.com/office/drawing/2014/main" id="{900548E0-C1DE-0115-5656-F7EB74F5D3CE}"/>
               </a:ext>
             </a:extLst>
           </p:cNvPr>
@@ -2003,7 +2003,7 @@
           <a:bodyPr/>
           <a:lstStyle/>
           <a:p>
-            <a:fld id="{525FFA3F-8198-403B-B5D2-96BC8E3BEC83}" type="slidenum">
+            <a:fld id="{F8AE34BB-1889-48DC-863B-9E63C6ACD356}" type="slidenum">
               <a:rPr lang="zh-CN" altLang="en-US" smtClean="0"/>
               <a:t>‹#›</a:t>
             </a:fld>
@@ -2014,7 +2014,7 @@
     </p:spTree>
     <p:extLst>
       <p:ext uri="{BB962C8B-B14F-4D97-AF65-F5344CB8AC3E}">
-        <p14:creationId xmlns:p14="http://schemas.microsoft.com/office/powerpoint/2010/main" val="3606259522"/>
+        <p14:creationId xmlns:p14="http://schemas.microsoft.com/office/powerpoint/2010/main" val="837758874"/>
       </p:ext>
     </p:extLst>
   </p:cSld>
@@ -2046,7 +2046,7 @@
           <p:cNvPr id="2" name="日期占位符 1">
             <a:extLst>
               <a:ext uri="{FF2B5EF4-FFF2-40B4-BE49-F238E27FC236}">
-                <a16:creationId xmlns:a16="http://schemas.microsoft.com/office/drawing/2014/main" id="{A8D88201-45A0-3362-D380-1F67FC63D50B}"/>
+                <a16:creationId xmlns:a16="http://schemas.microsoft.com/office/drawing/2014/main" id="{97A4B45B-3B2D-5A2A-625D-682B66A133C0}"/>
               </a:ext>
             </a:extLst>
           </p:cNvPr>
@@ -2062,7 +2062,7 @@
           <a:bodyPr/>
           <a:lstStyle/>
           <a:p>
-            <a:fld id="{1FD1D556-8750-4CF4-B6EF-B431502106F6}" type="datetimeFigureOut">
+            <a:fld id="{AD1F6499-ED59-4C20-8E49-2B482313406F}" type="datetimeFigureOut">
               <a:rPr lang="zh-CN" altLang="en-US" smtClean="0"/>
               <a:t>2024/3/10</a:t>
             </a:fld>
@@ -2075,7 +2075,7 @@
           <p:cNvPr id="3" name="页脚占位符 2">
             <a:extLst>
               <a:ext uri="{FF2B5EF4-FFF2-40B4-BE49-F238E27FC236}">
-                <a16:creationId xmlns:a16="http://schemas.microsoft.com/office/drawing/2014/main" id="{6C37A4A3-8E41-9CFA-7E80-FF10B153F9F6}"/>
+                <a16:creationId xmlns:a16="http://schemas.microsoft.com/office/drawing/2014/main" id="{971AD11F-030F-E3BB-CCF4-2D633CBBB641}"/>
               </a:ext>
             </a:extLst>
           </p:cNvPr>
@@ -2100,7 +2100,7 @@
           <p:cNvPr id="4" name="灯片编号占位符 3">
             <a:extLst>
               <a:ext uri="{FF2B5EF4-FFF2-40B4-BE49-F238E27FC236}">
-                <a16:creationId xmlns:a16="http://schemas.microsoft.com/office/drawing/2014/main" id="{B8911F68-82BC-C417-1FD1-C01AB4375584}"/>
+                <a16:creationId xmlns:a16="http://schemas.microsoft.com/office/drawing/2014/main" id="{5C55D6BC-3E64-5B4F-0016-E5196DAFCC6F}"/>
               </a:ext>
             </a:extLst>
           </p:cNvPr>
@@ -2116,7 +2116,7 @@
           <a:bodyPr/>
           <a:lstStyle/>
           <a:p>
-            <a:fld id="{525FFA3F-8198-403B-B5D2-96BC8E3BEC83}" type="slidenum">
+            <a:fld id="{F8AE34BB-1889-48DC-863B-9E63C6ACD356}" type="slidenum">
               <a:rPr lang="zh-CN" altLang="en-US" smtClean="0"/>
               <a:t>‹#›</a:t>
             </a:fld>
@@ -2127,7 +2127,7 @@
     </p:spTree>
     <p:extLst>
       <p:ext uri="{BB962C8B-B14F-4D97-AF65-F5344CB8AC3E}">
-        <p14:creationId xmlns:p14="http://schemas.microsoft.com/office/powerpoint/2010/main" val="2480783454"/>
+        <p14:creationId xmlns:p14="http://schemas.microsoft.com/office/powerpoint/2010/main" val="2412537292"/>
       </p:ext>
     </p:extLst>
   </p:cSld>
@@ -2159,7 +2159,7 @@
           <p:cNvPr id="2" name="标题 1">
             <a:extLst>
               <a:ext uri="{FF2B5EF4-FFF2-40B4-BE49-F238E27FC236}">
-                <a16:creationId xmlns:a16="http://schemas.microsoft.com/office/drawing/2014/main" id="{7B35F897-A0F1-F3F1-CF11-DB45CAA59A33}"/>
+                <a16:creationId xmlns:a16="http://schemas.microsoft.com/office/drawing/2014/main" id="{41B35E5B-1400-4733-BEFD-3DB665DFDE3E}"/>
               </a:ext>
             </a:extLst>
           </p:cNvPr>
@@ -2196,7 +2196,7 @@
           <p:cNvPr id="3" name="内容占位符 2">
             <a:extLst>
               <a:ext uri="{FF2B5EF4-FFF2-40B4-BE49-F238E27FC236}">
-                <a16:creationId xmlns:a16="http://schemas.microsoft.com/office/drawing/2014/main" id="{3E44DF04-AFFF-31F8-FE84-E615E6B0B3A4}"/>
+                <a16:creationId xmlns:a16="http://schemas.microsoft.com/office/drawing/2014/main" id="{DFFC8293-DAB9-732B-CD78-131DACEA4B46}"/>
               </a:ext>
             </a:extLst>
           </p:cNvPr>
@@ -2286,7 +2286,7 @@
           <p:cNvPr id="4" name="文本占位符 3">
             <a:extLst>
               <a:ext uri="{FF2B5EF4-FFF2-40B4-BE49-F238E27FC236}">
-                <a16:creationId xmlns:a16="http://schemas.microsoft.com/office/drawing/2014/main" id="{550C6DC8-94C9-459C-769E-4646B42C76C0}"/>
+                <a16:creationId xmlns:a16="http://schemas.microsoft.com/office/drawing/2014/main" id="{4210755B-E51B-BC2B-9DAB-6DA0509947A9}"/>
               </a:ext>
             </a:extLst>
           </p:cNvPr>
@@ -2357,7 +2357,7 @@
           <p:cNvPr id="5" name="日期占位符 4">
             <a:extLst>
               <a:ext uri="{FF2B5EF4-FFF2-40B4-BE49-F238E27FC236}">
-                <a16:creationId xmlns:a16="http://schemas.microsoft.com/office/drawing/2014/main" id="{622DA933-95AD-0514-7B4B-4A8583422427}"/>
+                <a16:creationId xmlns:a16="http://schemas.microsoft.com/office/drawing/2014/main" id="{B8740AFF-22F7-819C-6CBC-F3D93A746F9F}"/>
               </a:ext>
             </a:extLst>
           </p:cNvPr>
@@ -2373,7 +2373,7 @@
           <a:bodyPr/>
           <a:lstStyle/>
           <a:p>
-            <a:fld id="{1FD1D556-8750-4CF4-B6EF-B431502106F6}" type="datetimeFigureOut">
+            <a:fld id="{AD1F6499-ED59-4C20-8E49-2B482313406F}" type="datetimeFigureOut">
               <a:rPr lang="zh-CN" altLang="en-US" smtClean="0"/>
               <a:t>2024/3/10</a:t>
             </a:fld>
@@ -2386,7 +2386,7 @@
           <p:cNvPr id="6" name="页脚占位符 5">
             <a:extLst>
               <a:ext uri="{FF2B5EF4-FFF2-40B4-BE49-F238E27FC236}">
-                <a16:creationId xmlns:a16="http://schemas.microsoft.com/office/drawing/2014/main" id="{0B364D11-48CE-7400-D17B-9E1DF09C9F42}"/>
+                <a16:creationId xmlns:a16="http://schemas.microsoft.com/office/drawing/2014/main" id="{BBF7AC6B-D61E-B35A-7697-2D7D920D460D}"/>
               </a:ext>
             </a:extLst>
           </p:cNvPr>
@@ -2411,7 +2411,7 @@
           <p:cNvPr id="7" name="灯片编号占位符 6">
             <a:extLst>
               <a:ext uri="{FF2B5EF4-FFF2-40B4-BE49-F238E27FC236}">
-                <a16:creationId xmlns:a16="http://schemas.microsoft.com/office/drawing/2014/main" id="{143119F3-328A-ACC4-771A-1FB00227C400}"/>
+                <a16:creationId xmlns:a16="http://schemas.microsoft.com/office/drawing/2014/main" id="{381E9621-1EA6-A638-EB6D-266FC49094CC}"/>
               </a:ext>
             </a:extLst>
           </p:cNvPr>
@@ -2427,7 +2427,7 @@
           <a:bodyPr/>
           <a:lstStyle/>
           <a:p>
-            <a:fld id="{525FFA3F-8198-403B-B5D2-96BC8E3BEC83}" type="slidenum">
+            <a:fld id="{F8AE34BB-1889-48DC-863B-9E63C6ACD356}" type="slidenum">
               <a:rPr lang="zh-CN" altLang="en-US" smtClean="0"/>
               <a:t>‹#›</a:t>
             </a:fld>
@@ -2438,7 +2438,7 @@
     </p:spTree>
     <p:extLst>
       <p:ext uri="{BB962C8B-B14F-4D97-AF65-F5344CB8AC3E}">
-        <p14:creationId xmlns:p14="http://schemas.microsoft.com/office/powerpoint/2010/main" val="1553524682"/>
+        <p14:creationId xmlns:p14="http://schemas.microsoft.com/office/powerpoint/2010/main" val="616527968"/>
       </p:ext>
     </p:extLst>
   </p:cSld>
@@ -2470,7 +2470,7 @@
           <p:cNvPr id="2" name="标题 1">
             <a:extLst>
               <a:ext uri="{FF2B5EF4-FFF2-40B4-BE49-F238E27FC236}">
-                <a16:creationId xmlns:a16="http://schemas.microsoft.com/office/drawing/2014/main" id="{990BDAF9-0401-F896-3BB7-16ED56273DFA}"/>
+                <a16:creationId xmlns:a16="http://schemas.microsoft.com/office/drawing/2014/main" id="{2A5EC415-F2D6-7C81-F98E-E40C1EF24565}"/>
               </a:ext>
             </a:extLst>
           </p:cNvPr>
@@ -2507,7 +2507,7 @@
           <p:cNvPr id="3" name="图片占位符 2">
             <a:extLst>
               <a:ext uri="{FF2B5EF4-FFF2-40B4-BE49-F238E27FC236}">
-                <a16:creationId xmlns:a16="http://schemas.microsoft.com/office/drawing/2014/main" id="{6A0E30FD-D504-1945-B783-7D282D3B43EF}"/>
+                <a16:creationId xmlns:a16="http://schemas.microsoft.com/office/drawing/2014/main" id="{3B461730-F841-AFB6-8356-FF1ACDF2A14C}"/>
               </a:ext>
             </a:extLst>
           </p:cNvPr>
@@ -2574,7 +2574,7 @@
           <p:cNvPr id="4" name="文本占位符 3">
             <a:extLst>
               <a:ext uri="{FF2B5EF4-FFF2-40B4-BE49-F238E27FC236}">
-                <a16:creationId xmlns:a16="http://schemas.microsoft.com/office/drawing/2014/main" id="{BCE14A97-BC28-760E-A859-3B47549B0756}"/>
+                <a16:creationId xmlns:a16="http://schemas.microsoft.com/office/drawing/2014/main" id="{17FFE943-EB77-F0FD-D31E-528D94873BCF}"/>
               </a:ext>
             </a:extLst>
           </p:cNvPr>
@@ -2645,7 +2645,7 @@
           <p:cNvPr id="5" name="日期占位符 4">
             <a:extLst>
               <a:ext uri="{FF2B5EF4-FFF2-40B4-BE49-F238E27FC236}">
-                <a16:creationId xmlns:a16="http://schemas.microsoft.com/office/drawing/2014/main" id="{A2A8232C-1F99-5C7C-139A-834482F96628}"/>
+                <a16:creationId xmlns:a16="http://schemas.microsoft.com/office/drawing/2014/main" id="{36669136-9A54-D560-9C4E-763B866685EB}"/>
               </a:ext>
             </a:extLst>
           </p:cNvPr>
@@ -2661,7 +2661,7 @@
           <a:bodyPr/>
           <a:lstStyle/>
           <a:p>
-            <a:fld id="{1FD1D556-8750-4CF4-B6EF-B431502106F6}" type="datetimeFigureOut">
+            <a:fld id="{AD1F6499-ED59-4C20-8E49-2B482313406F}" type="datetimeFigureOut">
               <a:rPr lang="zh-CN" altLang="en-US" smtClean="0"/>
               <a:t>2024/3/10</a:t>
             </a:fld>
@@ -2674,7 +2674,7 @@
           <p:cNvPr id="6" name="页脚占位符 5">
             <a:extLst>
               <a:ext uri="{FF2B5EF4-FFF2-40B4-BE49-F238E27FC236}">
-                <a16:creationId xmlns:a16="http://schemas.microsoft.com/office/drawing/2014/main" id="{292DB78B-D5F5-09D2-4811-951ED46F1786}"/>
+                <a16:creationId xmlns:a16="http://schemas.microsoft.com/office/drawing/2014/main" id="{5754F34C-05F4-FA42-A3D7-FE9F91F4173E}"/>
               </a:ext>
             </a:extLst>
           </p:cNvPr>
@@ -2699,7 +2699,7 @@
           <p:cNvPr id="7" name="灯片编号占位符 6">
             <a:extLst>
               <a:ext uri="{FF2B5EF4-FFF2-40B4-BE49-F238E27FC236}">
-                <a16:creationId xmlns:a16="http://schemas.microsoft.com/office/drawing/2014/main" id="{A670D881-8003-1072-9CF1-ABEE7E9E2D78}"/>
+                <a16:creationId xmlns:a16="http://schemas.microsoft.com/office/drawing/2014/main" id="{934F3F25-E256-AA11-96FF-1E36960EA15A}"/>
               </a:ext>
             </a:extLst>
           </p:cNvPr>
@@ -2715,7 +2715,7 @@
           <a:bodyPr/>
           <a:lstStyle/>
           <a:p>
-            <a:fld id="{525FFA3F-8198-403B-B5D2-96BC8E3BEC83}" type="slidenum">
+            <a:fld id="{F8AE34BB-1889-48DC-863B-9E63C6ACD356}" type="slidenum">
               <a:rPr lang="zh-CN" altLang="en-US" smtClean="0"/>
               <a:t>‹#›</a:t>
             </a:fld>
@@ -2726,7 +2726,7 @@
     </p:spTree>
     <p:extLst>
       <p:ext uri="{BB962C8B-B14F-4D97-AF65-F5344CB8AC3E}">
-        <p14:creationId xmlns:p14="http://schemas.microsoft.com/office/powerpoint/2010/main" val="663779651"/>
+        <p14:creationId xmlns:p14="http://schemas.microsoft.com/office/powerpoint/2010/main" val="1898966562"/>
       </p:ext>
     </p:extLst>
   </p:cSld>
@@ -2763,7 +2763,7 @@
           <p:cNvPr id="2" name="标题占位符 1">
             <a:extLst>
               <a:ext uri="{FF2B5EF4-FFF2-40B4-BE49-F238E27FC236}">
-                <a16:creationId xmlns:a16="http://schemas.microsoft.com/office/drawing/2014/main" id="{2460EDFE-C50D-C577-50E9-CC4D03032F2F}"/>
+                <a16:creationId xmlns:a16="http://schemas.microsoft.com/office/drawing/2014/main" id="{9BF01229-15E5-917E-B495-B4B203562F65}"/>
               </a:ext>
             </a:extLst>
           </p:cNvPr>
@@ -2801,7 +2801,7 @@
           <p:cNvPr id="3" name="文本占位符 2">
             <a:extLst>
               <a:ext uri="{FF2B5EF4-FFF2-40B4-BE49-F238E27FC236}">
-                <a16:creationId xmlns:a16="http://schemas.microsoft.com/office/drawing/2014/main" id="{A4F76878-9612-FE58-88C1-267BE082288F}"/>
+                <a16:creationId xmlns:a16="http://schemas.microsoft.com/office/drawing/2014/main" id="{75C629D4-B028-0EB5-0F45-363365D45904}"/>
               </a:ext>
             </a:extLst>
           </p:cNvPr>
@@ -2868,7 +2868,7 @@
           <p:cNvPr id="4" name="日期占位符 3">
             <a:extLst>
               <a:ext uri="{FF2B5EF4-FFF2-40B4-BE49-F238E27FC236}">
-                <a16:creationId xmlns:a16="http://schemas.microsoft.com/office/drawing/2014/main" id="{35FCFCFD-5031-ECEB-C6B3-7357A5AB1B78}"/>
+                <a16:creationId xmlns:a16="http://schemas.microsoft.com/office/drawing/2014/main" id="{1D20EC89-F21B-9570-741A-4F42C4C2E984}"/>
               </a:ext>
             </a:extLst>
           </p:cNvPr>
@@ -2902,7 +2902,7 @@
             </a:lvl1pPr>
           </a:lstStyle>
           <a:p>
-            <a:fld id="{1FD1D556-8750-4CF4-B6EF-B431502106F6}" type="datetimeFigureOut">
+            <a:fld id="{AD1F6499-ED59-4C20-8E49-2B482313406F}" type="datetimeFigureOut">
               <a:rPr lang="zh-CN" altLang="en-US" smtClean="0"/>
               <a:t>2024/3/10</a:t>
             </a:fld>
@@ -2915,7 +2915,7 @@
           <p:cNvPr id="5" name="页脚占位符 4">
             <a:extLst>
               <a:ext uri="{FF2B5EF4-FFF2-40B4-BE49-F238E27FC236}">
-                <a16:creationId xmlns:a16="http://schemas.microsoft.com/office/drawing/2014/main" id="{43E474FF-FBA5-F649-202E-530D2A4434EE}"/>
+                <a16:creationId xmlns:a16="http://schemas.microsoft.com/office/drawing/2014/main" id="{8276F96A-212E-BD78-6BFC-2F316C68DE4E}"/>
               </a:ext>
             </a:extLst>
           </p:cNvPr>
@@ -2958,7 +2958,7 @@
           <p:cNvPr id="6" name="灯片编号占位符 5">
             <a:extLst>
               <a:ext uri="{FF2B5EF4-FFF2-40B4-BE49-F238E27FC236}">
-                <a16:creationId xmlns:a16="http://schemas.microsoft.com/office/drawing/2014/main" id="{D378696E-F049-E01E-68CF-5C8283BA17BF}"/>
+                <a16:creationId xmlns:a16="http://schemas.microsoft.com/office/drawing/2014/main" id="{C709CD69-9DDB-D86C-31E9-13A45A32614B}"/>
               </a:ext>
             </a:extLst>
           </p:cNvPr>
@@ -2992,7 +2992,7 @@
             </a:lvl1pPr>
           </a:lstStyle>
           <a:p>
-            <a:fld id="{525FFA3F-8198-403B-B5D2-96BC8E3BEC83}" type="slidenum">
+            <a:fld id="{F8AE34BB-1889-48DC-863B-9E63C6ACD356}" type="slidenum">
               <a:rPr lang="zh-CN" altLang="en-US" smtClean="0"/>
               <a:t>‹#›</a:t>
             </a:fld>
@@ -3003,7 +3003,7 @@
     </p:spTree>
     <p:extLst>
       <p:ext uri="{BB962C8B-B14F-4D97-AF65-F5344CB8AC3E}">
-        <p14:creationId xmlns:p14="http://schemas.microsoft.com/office/powerpoint/2010/main" val="2448821258"/>
+        <p14:creationId xmlns:p14="http://schemas.microsoft.com/office/powerpoint/2010/main" val="1865784173"/>
       </p:ext>
     </p:extLst>
   </p:cSld>
